--- a/doc/PhD intro to MPI.pptx
+++ b/doc/PhD intro to MPI.pptx
@@ -4549,7 +4549,7 @@
           <a:bodyPr/>
           <a:lstStyle/>
           <a:p>
-            <a:endParaRPr lang="en-DE"/>
+            <a:endParaRPr lang="en-DE" dirty="0"/>
           </a:p>
         </p:txBody>
       </p:sp>
